--- a/Bitcamp2019Presentation.pptx
+++ b/Bitcamp2019Presentation.pptx
@@ -6,8 +6,9 @@
   </p:sldMasterIdLst>
   <p:sldIdLst>
     <p:sldId id="256" r:id="rId2"/>
-    <p:sldId id="257" r:id="rId3"/>
-    <p:sldId id="258" r:id="rId4"/>
+    <p:sldId id="259" r:id="rId3"/>
+    <p:sldId id="257" r:id="rId4"/>
+    <p:sldId id="258" r:id="rId5"/>
   </p:sldIdLst>
   <p:sldSz cx="12192000" cy="6858000"/>
   <p:notesSz cx="6858000" cy="9144000"/>
@@ -106,6 +107,11 @@
       </a:defRPr>
     </a:lvl9pPr>
   </p:defaultTextStyle>
+  <p:extLst>
+    <p:ext uri="{EFAFB233-063F-42B5-8137-9DF3F51BA10A}">
+      <p15:sldGuideLst xmlns:p15="http://schemas.microsoft.com/office/powerpoint/2012/main"/>
+    </p:ext>
+  </p:extLst>
 </p:presentation>
 </file>
 
@@ -396,7 +402,7 @@
           <a:p>
             <a:fld id="{6A746F20-3B4D-1B4A-9CEA-205E736B66F4}" type="datetimeFigureOut">
               <a:rPr lang="en-US" smtClean="0"/>
-              <a:t>4/13/19</a:t>
+              <a:t>4/14/2019</a:t>
             </a:fld>
             <a:endParaRPr lang="en-US"/>
           </a:p>
@@ -714,7 +720,7 @@
           <a:p>
             <a:fld id="{6A746F20-3B4D-1B4A-9CEA-205E736B66F4}" type="datetimeFigureOut">
               <a:rPr lang="en-US" smtClean="0"/>
-              <a:t>4/13/19</a:t>
+              <a:t>4/14/2019</a:t>
             </a:fld>
             <a:endParaRPr lang="en-US"/>
           </a:p>
@@ -1202,7 +1208,7 @@
           <a:p>
             <a:fld id="{6A746F20-3B4D-1B4A-9CEA-205E736B66F4}" type="datetimeFigureOut">
               <a:rPr lang="en-US" smtClean="0"/>
-              <a:t>4/13/19</a:t>
+              <a:t>4/14/2019</a:t>
             </a:fld>
             <a:endParaRPr lang="en-US"/>
           </a:p>
@@ -1571,7 +1577,7 @@
           <a:p>
             <a:fld id="{6A746F20-3B4D-1B4A-9CEA-205E736B66F4}" type="datetimeFigureOut">
               <a:rPr lang="en-US" smtClean="0"/>
-              <a:t>4/13/19</a:t>
+              <a:t>4/14/2019</a:t>
             </a:fld>
             <a:endParaRPr lang="en-US"/>
           </a:p>
@@ -1844,7 +1850,7 @@
           <a:p>
             <a:fld id="{6A746F20-3B4D-1B4A-9CEA-205E736B66F4}" type="datetimeFigureOut">
               <a:rPr lang="en-US" smtClean="0"/>
-              <a:t>4/13/19</a:t>
+              <a:t>4/14/2019</a:t>
             </a:fld>
             <a:endParaRPr lang="en-US"/>
           </a:p>
@@ -2129,7 +2135,7 @@
           <a:p>
             <a:fld id="{6A746F20-3B4D-1B4A-9CEA-205E736B66F4}" type="datetimeFigureOut">
               <a:rPr lang="en-US" smtClean="0"/>
-              <a:t>4/13/19</a:t>
+              <a:t>4/14/2019</a:t>
             </a:fld>
             <a:endParaRPr lang="en-US"/>
           </a:p>
@@ -2412,7 +2418,7 @@
           <a:p>
             <a:fld id="{6A746F20-3B4D-1B4A-9CEA-205E736B66F4}" type="datetimeFigureOut">
               <a:rPr lang="en-US" smtClean="0"/>
-              <a:t>4/13/19</a:t>
+              <a:t>4/14/2019</a:t>
             </a:fld>
             <a:endParaRPr lang="en-US"/>
           </a:p>
@@ -2755,7 +2761,7 @@
           <a:p>
             <a:fld id="{6A746F20-3B4D-1B4A-9CEA-205E736B66F4}" type="datetimeFigureOut">
               <a:rPr lang="en-US" smtClean="0"/>
-              <a:t>4/13/19</a:t>
+              <a:t>4/14/2019</a:t>
             </a:fld>
             <a:endParaRPr lang="en-US"/>
           </a:p>
@@ -3094,7 +3100,7 @@
           <a:p>
             <a:fld id="{6A746F20-3B4D-1B4A-9CEA-205E736B66F4}" type="datetimeFigureOut">
               <a:rPr lang="en-US" smtClean="0"/>
-              <a:t>4/13/19</a:t>
+              <a:t>4/14/2019</a:t>
             </a:fld>
             <a:endParaRPr lang="en-US"/>
           </a:p>
@@ -3571,7 +3577,7 @@
           <a:p>
             <a:fld id="{6A746F20-3B4D-1B4A-9CEA-205E736B66F4}" type="datetimeFigureOut">
               <a:rPr lang="en-US" smtClean="0"/>
-              <a:t>4/13/19</a:t>
+              <a:t>4/14/2019</a:t>
             </a:fld>
             <a:endParaRPr lang="en-US"/>
           </a:p>
@@ -3792,7 +3798,7 @@
           <a:p>
             <a:fld id="{6A746F20-3B4D-1B4A-9CEA-205E736B66F4}" type="datetimeFigureOut">
               <a:rPr lang="en-US" smtClean="0"/>
-              <a:t>4/13/19</a:t>
+              <a:t>4/14/2019</a:t>
             </a:fld>
             <a:endParaRPr lang="en-US"/>
           </a:p>
@@ -3887,7 +3893,7 @@
           <a:p>
             <a:fld id="{6A746F20-3B4D-1B4A-9CEA-205E736B66F4}" type="datetimeFigureOut">
               <a:rPr lang="en-US" smtClean="0"/>
-              <a:t>4/13/19</a:t>
+              <a:t>4/14/2019</a:t>
             </a:fld>
             <a:endParaRPr lang="en-US"/>
           </a:p>
@@ -4354,7 +4360,7 @@
           <a:p>
             <a:fld id="{6A746F20-3B4D-1B4A-9CEA-205E736B66F4}" type="datetimeFigureOut">
               <a:rPr lang="en-US" smtClean="0"/>
-              <a:t>4/13/19</a:t>
+              <a:t>4/14/2019</a:t>
             </a:fld>
             <a:endParaRPr lang="en-US"/>
           </a:p>
@@ -4667,7 +4673,7 @@
           <a:p>
             <a:fld id="{6A746F20-3B4D-1B4A-9CEA-205E736B66F4}" type="datetimeFigureOut">
               <a:rPr lang="en-US" smtClean="0"/>
-              <a:t>4/13/19</a:t>
+              <a:t>4/14/2019</a:t>
             </a:fld>
             <a:endParaRPr lang="en-US"/>
           </a:p>
@@ -4937,7 +4943,7 @@
           <a:p>
             <a:fld id="{6A746F20-3B4D-1B4A-9CEA-205E736B66F4}" type="datetimeFigureOut">
               <a:rPr lang="en-US" smtClean="0"/>
-              <a:t>4/13/19</a:t>
+              <a:t>4/14/2019</a:t>
             </a:fld>
             <a:endParaRPr lang="en-US"/>
           </a:p>
@@ -5880,7 +5886,7 @@
           <p:cNvPr id="2" name="Title 1">
             <a:extLst>
               <a:ext uri="{FF2B5EF4-FFF2-40B4-BE49-F238E27FC236}">
-                <a16:creationId xmlns:a16="http://schemas.microsoft.com/office/drawing/2014/main" id="{0D6C02D3-30FD-544E-9ED7-8B64E722F8D8}"/>
+                <a16:creationId xmlns:a16="http://schemas.microsoft.com/office/drawing/2014/main" id="{575210D3-E9BD-483F-8F12-4EDA6C9C45CA}"/>
               </a:ext>
             </a:extLst>
           </p:cNvPr>
@@ -5911,7 +5917,7 @@
                   <a:schemeClr val="tx1"/>
                 </a:solidFill>
               </a:rPr>
-              <a:t>[Why]</a:t>
+              <a:t>[What]</a:t>
             </a:r>
           </a:p>
         </p:txBody>
@@ -5969,7 +5975,7 @@
           <p:cNvPr id="3" name="Content Placeholder 2">
             <a:extLst>
               <a:ext uri="{FF2B5EF4-FFF2-40B4-BE49-F238E27FC236}">
-                <a16:creationId xmlns:a16="http://schemas.microsoft.com/office/drawing/2014/main" id="{B06827B8-E129-2B40-A45A-6CD1AABB4809}"/>
+                <a16:creationId xmlns:a16="http://schemas.microsoft.com/office/drawing/2014/main" id="{6CEA0DA4-0264-43AB-BA34-56079EF3D1D3}"/>
               </a:ext>
             </a:extLst>
           </p:cNvPr>
@@ -5995,7 +6001,7 @@
           <a:p>
             <a:r>
               <a:rPr lang="en-US" sz="2400" dirty="0"/>
-              <a:t>[Information]</a:t>
+              <a:t>The ability to control Amazon’s Alexa with gestures.</a:t>
             </a:r>
           </a:p>
         </p:txBody>
@@ -6003,7 +6009,7 @@
     </p:spTree>
     <p:extLst>
       <p:ext uri="{BB962C8B-B14F-4D97-AF65-F5344CB8AC3E}">
-        <p14:creationId xmlns:p14="http://schemas.microsoft.com/office/powerpoint/2010/main" val="4102207486"/>
+        <p14:creationId xmlns:p14="http://schemas.microsoft.com/office/powerpoint/2010/main" val="2730941220"/>
       </p:ext>
     </p:extLst>
   </p:cSld>
@@ -6134,7 +6140,7 @@
                   <a:schemeClr val="tx1"/>
                 </a:solidFill>
               </a:rPr>
-              <a:t>[How]</a:t>
+              <a:t>[Why]</a:t>
             </a:r>
           </a:p>
         </p:txBody>
@@ -6218,7 +6224,244 @@
           <a:p>
             <a:r>
               <a:rPr lang="en-US" sz="2400" dirty="0"/>
-              <a:t>[Information]</a:t>
+              <a:t>This provides a way for those who are deaf and mute to be able to control an echo device. </a:t>
+            </a:r>
+          </a:p>
+        </p:txBody>
+      </p:sp>
+    </p:spTree>
+    <p:extLst>
+      <p:ext uri="{BB962C8B-B14F-4D97-AF65-F5344CB8AC3E}">
+        <p14:creationId xmlns:p14="http://schemas.microsoft.com/office/powerpoint/2010/main" val="4102207486"/>
+      </p:ext>
+    </p:extLst>
+  </p:cSld>
+  <p:clrMapOvr>
+    <a:masterClrMapping/>
+  </p:clrMapOvr>
+</p:sld>
+</file>
+
+<file path=ppt/slides/slide4.xml><?xml version="1.0" encoding="utf-8"?>
+<p:sld xmlns:a="http://schemas.openxmlformats.org/drawingml/2006/main" xmlns:r="http://schemas.openxmlformats.org/officeDocument/2006/relationships" xmlns:p="http://schemas.openxmlformats.org/presentationml/2006/main">
+  <p:cSld>
+    <p:bg>
+      <p:bgPr>
+        <a:solidFill>
+          <a:schemeClr val="bg2"/>
+        </a:solidFill>
+        <a:effectLst/>
+      </p:bgPr>
+    </p:bg>
+    <p:spTree>
+      <p:nvGrpSpPr>
+        <p:cNvPr id="1" name=""/>
+        <p:cNvGrpSpPr/>
+        <p:nvPr/>
+      </p:nvGrpSpPr>
+      <p:grpSpPr>
+        <a:xfrm>
+          <a:off x="0" y="0"/>
+          <a:ext cx="0" cy="0"/>
+          <a:chOff x="0" y="0"/>
+          <a:chExt cx="0" cy="0"/>
+        </a:xfrm>
+      </p:grpSpPr>
+      <p:sp useBgFill="1">
+        <p:nvSpPr>
+          <p:cNvPr id="8" name="Rectangle 7">
+            <a:extLst>
+              <a:ext uri="{FF2B5EF4-FFF2-40B4-BE49-F238E27FC236}">
+                <a16:creationId xmlns:a16="http://schemas.microsoft.com/office/drawing/2014/main" id="{35C44DBB-AD7C-4682-B258-6367305D207B}"/>
+              </a:ext>
+              <a:ext uri="{C183D7F6-B498-43B3-948B-1728B52AA6E4}">
+                <adec:decorative xmlns:adec="http://schemas.microsoft.com/office/drawing/2017/decorative" val="1"/>
+              </a:ext>
+            </a:extLst>
+          </p:cNvPr>
+          <p:cNvSpPr>
+            <a:spLocks noGrp="1" noRot="1" noChangeAspect="1" noMove="1" noResize="1" noEditPoints="1" noAdjustHandles="1" noChangeArrowheads="1" noChangeShapeType="1" noTextEdit="1"/>
+          </p:cNvSpPr>
+          <p:nvPr>
+            <p:extLst>
+              <p:ext uri="{386F3935-93C4-4BCD-93E2-E3B085C9AB24}">
+                <p16:designElem xmlns:p16="http://schemas.microsoft.com/office/powerpoint/2015/main" val="1"/>
+              </p:ext>
+            </p:extLst>
+          </p:nvPr>
+        </p:nvSpPr>
+        <p:spPr>
+          <a:xfrm>
+            <a:off x="0" y="0"/>
+            <a:ext cx="12192000" cy="6858000"/>
+          </a:xfrm>
+          <a:prstGeom prst="rect">
+            <a:avLst/>
+          </a:prstGeom>
+          <a:ln>
+            <a:noFill/>
+          </a:ln>
+        </p:spPr>
+        <p:style>
+          <a:lnRef idx="2">
+            <a:schemeClr val="accent1">
+              <a:shade val="50000"/>
+            </a:schemeClr>
+          </a:lnRef>
+          <a:fillRef idx="1">
+            <a:schemeClr val="accent1"/>
+          </a:fillRef>
+          <a:effectRef idx="0">
+            <a:schemeClr val="accent1"/>
+          </a:effectRef>
+          <a:fontRef idx="minor">
+            <a:schemeClr val="lt1"/>
+          </a:fontRef>
+        </p:style>
+        <p:txBody>
+          <a:bodyPr rtlCol="0" anchor="ctr"/>
+          <a:lstStyle/>
+          <a:p>
+            <a:pPr algn="ctr"/>
+            <a:endParaRPr lang="en-US"/>
+          </a:p>
+        </p:txBody>
+      </p:sp>
+      <p:sp>
+        <p:nvSpPr>
+          <p:cNvPr id="2" name="Title 1">
+            <a:extLst>
+              <a:ext uri="{FF2B5EF4-FFF2-40B4-BE49-F238E27FC236}">
+                <a16:creationId xmlns:a16="http://schemas.microsoft.com/office/drawing/2014/main" id="{0D6C02D3-30FD-544E-9ED7-8B64E722F8D8}"/>
+              </a:ext>
+            </a:extLst>
+          </p:cNvPr>
+          <p:cNvSpPr>
+            <a:spLocks noGrp="1"/>
+          </p:cNvSpPr>
+          <p:nvPr>
+            <p:ph type="title"/>
+          </p:nvPr>
+        </p:nvSpPr>
+        <p:spPr>
+          <a:xfrm>
+            <a:off x="965200" y="1218476"/>
+            <a:ext cx="3187318" cy="4421050"/>
+          </a:xfrm>
+          <a:effectLst/>
+        </p:spPr>
+        <p:txBody>
+          <a:bodyPr anchor="ctr">
+            <a:normAutofit/>
+          </a:bodyPr>
+          <a:lstStyle/>
+          <a:p>
+            <a:pPr algn="r"/>
+            <a:r>
+              <a:rPr lang="en-US" sz="5400" dirty="0">
+                <a:solidFill>
+                  <a:schemeClr val="tx1"/>
+                </a:solidFill>
+              </a:rPr>
+              <a:t>[How]</a:t>
+            </a:r>
+          </a:p>
+        </p:txBody>
+      </p:sp>
+      <p:cxnSp>
+        <p:nvCxnSpPr>
+          <p:cNvPr id="10" name="Straight Connector 9">
+            <a:extLst>
+              <a:ext uri="{FF2B5EF4-FFF2-40B4-BE49-F238E27FC236}">
+                <a16:creationId xmlns:a16="http://schemas.microsoft.com/office/drawing/2014/main" id="{A1CED323-FAF0-4E0B-8717-FC1F468A28FE}"/>
+              </a:ext>
+              <a:ext uri="{C183D7F6-B498-43B3-948B-1728B52AA6E4}">
+                <adec:decorative xmlns:adec="http://schemas.microsoft.com/office/drawing/2017/decorative" val="1"/>
+              </a:ext>
+            </a:extLst>
+          </p:cNvPr>
+          <p:cNvCxnSpPr>
+            <a:cxnSpLocks noGrp="1" noRot="1" noChangeAspect="1" noMove="1" noResize="1" noEditPoints="1" noAdjustHandles="1" noChangeArrowheads="1" noChangeShapeType="1"/>
+          </p:cNvCxnSpPr>
+          <p:nvPr>
+            <p:extLst>
+              <p:ext uri="{386F3935-93C4-4BCD-93E2-E3B085C9AB24}">
+                <p16:designElem xmlns:p16="http://schemas.microsoft.com/office/powerpoint/2015/main" val="1"/>
+              </p:ext>
+            </p:extLst>
+          </p:nvPr>
+        </p:nvCxnSpPr>
+        <p:spPr>
+          <a:xfrm>
+            <a:off x="4649634" y="1696777"/>
+            <a:ext cx="0" cy="3464447"/>
+          </a:xfrm>
+          <a:prstGeom prst="line">
+            <a:avLst/>
+          </a:prstGeom>
+          <a:ln w="22225"/>
+        </p:spPr>
+        <p:style>
+          <a:lnRef idx="1">
+            <a:schemeClr val="accent1"/>
+          </a:lnRef>
+          <a:fillRef idx="0">
+            <a:schemeClr val="accent1"/>
+          </a:fillRef>
+          <a:effectRef idx="0">
+            <a:schemeClr val="accent1"/>
+          </a:effectRef>
+          <a:fontRef idx="minor">
+            <a:schemeClr val="tx1"/>
+          </a:fontRef>
+        </p:style>
+      </p:cxnSp>
+      <p:sp>
+        <p:nvSpPr>
+          <p:cNvPr id="3" name="Content Placeholder 2">
+            <a:extLst>
+              <a:ext uri="{FF2B5EF4-FFF2-40B4-BE49-F238E27FC236}">
+                <a16:creationId xmlns:a16="http://schemas.microsoft.com/office/drawing/2014/main" id="{B06827B8-E129-2B40-A45A-6CD1AABB4809}"/>
+              </a:ext>
+            </a:extLst>
+          </p:cNvPr>
+          <p:cNvSpPr>
+            <a:spLocks noGrp="1"/>
+          </p:cNvSpPr>
+          <p:nvPr>
+            <p:ph idx="1"/>
+          </p:nvPr>
+        </p:nvSpPr>
+        <p:spPr>
+          <a:xfrm>
+            <a:off x="5146751" y="1218475"/>
+            <a:ext cx="6080050" cy="4421051"/>
+          </a:xfrm>
+          <a:effectLst/>
+        </p:spPr>
+        <p:txBody>
+          <a:bodyPr>
+            <a:normAutofit/>
+          </a:bodyPr>
+          <a:lstStyle/>
+          <a:p>
+            <a:r>
+              <a:rPr lang="en-US" sz="2400" dirty="0"/>
+              <a:t>We used </a:t>
+            </a:r>
+            <a:r>
+              <a:rPr lang="en-US" sz="2400" dirty="0" err="1"/>
+              <a:t>openpose</a:t>
+            </a:r>
+            <a:r>
+              <a:rPr lang="en-US" sz="2400" dirty="0"/>
+              <a:t> to get a matrix of key points.</a:t>
+            </a:r>
+          </a:p>
+          <a:p>
+            <a:r>
+              <a:rPr lang="en-US" sz="2400" dirty="0"/>
+              <a:t>We take that matrix and process it through a machine learning algorithm to get the commands</a:t>
             </a:r>
           </a:p>
         </p:txBody>
